--- a/baseline-04/starter_kit.pptx
+++ b/baseline-04/starter_kit.pptx
@@ -11,7 +11,13 @@
     <p:sldId id="259" r:id="rId6"/>
     <p:sldId id="261" r:id="rId7"/>
     <p:sldId id="260" r:id="rId8"/>
-    <p:sldId id="262" r:id="rId9"/>
+    <p:sldId id="266" r:id="rId9"/>
+    <p:sldId id="265" r:id="rId10"/>
+    <p:sldId id="264" r:id="rId11"/>
+    <p:sldId id="268" r:id="rId12"/>
+    <p:sldId id="267" r:id="rId13"/>
+    <p:sldId id="262" r:id="rId14"/>
+    <p:sldId id="269" r:id="rId15"/>
   </p:sldIdLst>
   <p:sldSz cx="12192000" cy="6858000"/>
   <p:notesSz cx="6858000" cy="9144000"/>
@@ -3873,6 +3879,1925 @@
 </p:sld>
 </file>
 
+<file path=ppt/slides/slide10.xml><?xml version="1.0" encoding="utf-8"?>
+<p:sld xmlns:a="http://schemas.openxmlformats.org/drawingml/2006/main" xmlns:r="http://schemas.openxmlformats.org/officeDocument/2006/relationships" xmlns:p="http://schemas.openxmlformats.org/presentationml/2006/main">
+  <p:cSld>
+    <p:spTree>
+      <p:nvGrpSpPr>
+        <p:cNvPr id="1" name=""/>
+        <p:cNvGrpSpPr/>
+        <p:nvPr/>
+      </p:nvGrpSpPr>
+      <p:grpSpPr/>
+      <p:sp>
+        <p:nvSpPr>
+          <p:cNvPr id="21" name="Rectangle 20"/>
+          <p:cNvSpPr/>
+          <p:nvPr/>
+        </p:nvSpPr>
+        <p:spPr>
+          <a:xfrm>
+            <a:off x="7299325" y="2038350"/>
+            <a:ext cx="3641725" cy="2914650"/>
+          </a:xfrm>
+          <a:prstGeom prst="rect">
+            <a:avLst/>
+          </a:prstGeom>
+        </p:spPr>
+        <p:style>
+          <a:lnRef idx="2">
+            <a:schemeClr val="accent1">
+              <a:shade val="50000"/>
+            </a:schemeClr>
+          </a:lnRef>
+          <a:fillRef idx="1">
+            <a:schemeClr val="accent1"/>
+          </a:fillRef>
+          <a:effectRef idx="0">
+            <a:schemeClr val="accent1"/>
+          </a:effectRef>
+          <a:fontRef idx="minor">
+            <a:schemeClr val="lt1"/>
+          </a:fontRef>
+        </p:style>
+        <p:txBody>
+          <a:bodyPr rtlCol="0" anchor="ctr"/>
+          <a:p>
+            <a:pPr algn="ctr"/>
+            <a:r>
+              <a:rPr lang="en-SG" altLang="en-US"/>
+              <a:t>fusion_net</a:t>
+            </a:r>
+            <a:endParaRPr lang="en-SG" altLang="en-US"/>
+          </a:p>
+        </p:txBody>
+      </p:sp>
+      <p:sp>
+        <p:nvSpPr>
+          <p:cNvPr id="7" name="TextBox 6"/>
+          <p:cNvSpPr txBox="1"/>
+          <p:nvPr/>
+        </p:nvSpPr>
+        <p:spPr>
+          <a:xfrm>
+            <a:off x="80645" y="133350"/>
+            <a:ext cx="10842625" cy="380365"/>
+          </a:xfrm>
+          <a:prstGeom prst="rect">
+            <a:avLst/>
+          </a:prstGeom>
+          <a:noFill/>
+        </p:spPr>
+        <p:txBody>
+          <a:bodyPr wrap="square" rtlCol="0">
+            <a:spAutoFit/>
+          </a:bodyPr>
+          <a:p>
+            <a:r>
+              <a:rPr lang="x-none" altLang="en-SG" b="1"/>
+              <a:t>[ step.3 : train a simple CNN ]</a:t>
+            </a:r>
+            <a:endParaRPr lang="x-none" altLang="en-SG" b="1"/>
+          </a:p>
+        </p:txBody>
+      </p:sp>
+      <p:pic>
+        <p:nvPicPr>
+          <p:cNvPr id="20" name="Picture 19"/>
+          <p:cNvPicPr>
+            <a:picLocks noChangeAspect="1"/>
+          </p:cNvPicPr>
+          <p:nvPr/>
+        </p:nvPicPr>
+        <p:blipFill>
+          <a:blip r:embed="rId1"/>
+          <a:stretch>
+            <a:fillRect/>
+          </a:stretch>
+        </p:blipFill>
+        <p:spPr>
+          <a:xfrm>
+            <a:off x="846455" y="2474595"/>
+            <a:ext cx="885825" cy="885825"/>
+          </a:xfrm>
+          <a:prstGeom prst="rect">
+            <a:avLst/>
+          </a:prstGeom>
+        </p:spPr>
+      </p:pic>
+      <p:pic>
+        <p:nvPicPr>
+          <p:cNvPr id="24" name="Picture 23"/>
+          <p:cNvPicPr>
+            <a:picLocks noChangeAspect="1"/>
+          </p:cNvPicPr>
+          <p:nvPr/>
+        </p:nvPicPr>
+        <p:blipFill>
+          <a:blip r:embed="rId2"/>
+          <a:stretch>
+            <a:fillRect/>
+          </a:stretch>
+        </p:blipFill>
+        <p:spPr>
+          <a:xfrm>
+            <a:off x="806450" y="4116070"/>
+            <a:ext cx="1156970" cy="471805"/>
+          </a:xfrm>
+          <a:prstGeom prst="rect">
+            <a:avLst/>
+          </a:prstGeom>
+          <a:ln w="22225">
+            <a:noFill/>
+          </a:ln>
+        </p:spPr>
+      </p:pic>
+      <p:cxnSp>
+        <p:nvCxnSpPr>
+          <p:cNvPr id="28" name="Straight Arrow Connector 27"/>
+          <p:cNvCxnSpPr/>
+          <p:nvPr/>
+        </p:nvCxnSpPr>
+        <p:spPr>
+          <a:xfrm>
+            <a:off x="1769110" y="2659380"/>
+            <a:ext cx="1066165" cy="0"/>
+          </a:xfrm>
+          <a:prstGeom prst="straightConnector1">
+            <a:avLst/>
+          </a:prstGeom>
+          <a:ln w="31750">
+            <a:solidFill>
+              <a:schemeClr val="tx1">
+                <a:lumMod val="75000"/>
+                <a:lumOff val="25000"/>
+              </a:schemeClr>
+            </a:solidFill>
+            <a:tailEnd type="arrow"/>
+          </a:ln>
+        </p:spPr>
+        <p:style>
+          <a:lnRef idx="1">
+            <a:schemeClr val="accent1"/>
+          </a:lnRef>
+          <a:fillRef idx="0">
+            <a:schemeClr val="accent1"/>
+          </a:fillRef>
+          <a:effectRef idx="0">
+            <a:schemeClr val="accent1"/>
+          </a:effectRef>
+          <a:fontRef idx="minor">
+            <a:schemeClr val="tx1"/>
+          </a:fontRef>
+        </p:style>
+      </p:cxnSp>
+      <p:sp>
+        <p:nvSpPr>
+          <p:cNvPr id="29" name="Rectangle 28"/>
+          <p:cNvSpPr/>
+          <p:nvPr/>
+        </p:nvSpPr>
+        <p:spPr>
+          <a:xfrm>
+            <a:off x="2850515" y="2399030"/>
+            <a:ext cx="2359025" cy="1135380"/>
+          </a:xfrm>
+          <a:prstGeom prst="rect">
+            <a:avLst/>
+          </a:prstGeom>
+        </p:spPr>
+        <p:style>
+          <a:lnRef idx="2">
+            <a:schemeClr val="accent1">
+              <a:shade val="50000"/>
+            </a:schemeClr>
+          </a:lnRef>
+          <a:fillRef idx="1">
+            <a:schemeClr val="accent1"/>
+          </a:fillRef>
+          <a:effectRef idx="0">
+            <a:schemeClr val="accent1"/>
+          </a:effectRef>
+          <a:fontRef idx="minor">
+            <a:schemeClr val="lt1"/>
+          </a:fontRef>
+        </p:style>
+        <p:txBody>
+          <a:bodyPr rtlCol="0" anchor="ctr"/>
+          <a:p>
+            <a:pPr algn="ctr"/>
+            <a:r>
+              <a:rPr lang="en-SG" altLang="en-US"/>
+              <a:t>top_feature_net</a:t>
+            </a:r>
+            <a:endParaRPr lang="en-SG" altLang="en-US"/>
+          </a:p>
+        </p:txBody>
+      </p:sp>
+      <p:cxnSp>
+        <p:nvCxnSpPr>
+          <p:cNvPr id="4" name="Straight Arrow Connector 3"/>
+          <p:cNvCxnSpPr/>
+          <p:nvPr/>
+        </p:nvCxnSpPr>
+        <p:spPr>
+          <a:xfrm flipV="1">
+            <a:off x="5194935" y="2600960"/>
+            <a:ext cx="2572385" cy="1270"/>
+          </a:xfrm>
+          <a:prstGeom prst="straightConnector1">
+            <a:avLst/>
+          </a:prstGeom>
+          <a:ln w="31750">
+            <a:solidFill>
+              <a:schemeClr val="tx1">
+                <a:lumMod val="75000"/>
+                <a:lumOff val="25000"/>
+              </a:schemeClr>
+            </a:solidFill>
+            <a:tailEnd type="arrow"/>
+          </a:ln>
+        </p:spPr>
+        <p:style>
+          <a:lnRef idx="1">
+            <a:schemeClr val="accent1"/>
+          </a:lnRef>
+          <a:fillRef idx="0">
+            <a:schemeClr val="accent1"/>
+          </a:fillRef>
+          <a:effectRef idx="0">
+            <a:schemeClr val="accent1"/>
+          </a:effectRef>
+          <a:fontRef idx="minor">
+            <a:schemeClr val="tx1"/>
+          </a:fontRef>
+        </p:style>
+      </p:cxnSp>
+      <p:sp>
+        <p:nvSpPr>
+          <p:cNvPr id="13" name="TextBox 12"/>
+          <p:cNvSpPr txBox="1"/>
+          <p:nvPr/>
+        </p:nvSpPr>
+        <p:spPr>
+          <a:xfrm>
+            <a:off x="663575" y="4627880"/>
+            <a:ext cx="1859280" cy="529590"/>
+          </a:xfrm>
+          <a:prstGeom prst="rect">
+            <a:avLst/>
+          </a:prstGeom>
+          <a:noFill/>
+        </p:spPr>
+        <p:txBody>
+          <a:bodyPr wrap="square" rtlCol="0">
+            <a:spAutoFit/>
+          </a:bodyPr>
+          <a:p>
+            <a:r>
+              <a:rPr lang="x-none" altLang="en-SG" sz="1400"/>
+              <a:t>surround view projection</a:t>
+            </a:r>
+            <a:endParaRPr lang="x-none" altLang="en-SG" sz="1400"/>
+          </a:p>
+        </p:txBody>
+      </p:sp>
+      <p:sp>
+        <p:nvSpPr>
+          <p:cNvPr id="2" name="TextBox 1"/>
+          <p:cNvSpPr txBox="1"/>
+          <p:nvPr/>
+        </p:nvSpPr>
+        <p:spPr>
+          <a:xfrm>
+            <a:off x="551180" y="3445510"/>
+            <a:ext cx="1859280" cy="316230"/>
+          </a:xfrm>
+          <a:prstGeom prst="rect">
+            <a:avLst/>
+          </a:prstGeom>
+          <a:noFill/>
+        </p:spPr>
+        <p:txBody>
+          <a:bodyPr wrap="square" rtlCol="0">
+            <a:spAutoFit/>
+          </a:bodyPr>
+          <a:p>
+            <a:r>
+              <a:rPr lang="x-none" altLang="en-SG" sz="1400"/>
+              <a:t>top view projection</a:t>
+            </a:r>
+            <a:endParaRPr lang="x-none" altLang="en-SG" sz="1400"/>
+          </a:p>
+        </p:txBody>
+      </p:sp>
+      <p:cxnSp>
+        <p:nvCxnSpPr>
+          <p:cNvPr id="3" name="Straight Arrow Connector 2"/>
+          <p:cNvCxnSpPr/>
+          <p:nvPr/>
+        </p:nvCxnSpPr>
+        <p:spPr>
+          <a:xfrm flipV="1">
+            <a:off x="3994785" y="1936115"/>
+            <a:ext cx="0" cy="427355"/>
+          </a:xfrm>
+          <a:prstGeom prst="straightConnector1">
+            <a:avLst/>
+          </a:prstGeom>
+          <a:ln w="31750">
+            <a:solidFill>
+              <a:schemeClr val="accent6">
+                <a:lumMod val="75000"/>
+              </a:schemeClr>
+            </a:solidFill>
+            <a:tailEnd type="arrow"/>
+          </a:ln>
+        </p:spPr>
+        <p:style>
+          <a:lnRef idx="1">
+            <a:schemeClr val="accent1"/>
+          </a:lnRef>
+          <a:fillRef idx="0">
+            <a:schemeClr val="accent1"/>
+          </a:fillRef>
+          <a:effectRef idx="0">
+            <a:schemeClr val="accent1"/>
+          </a:effectRef>
+          <a:fontRef idx="minor">
+            <a:schemeClr val="tx1"/>
+          </a:fontRef>
+        </p:style>
+      </p:cxnSp>
+      <p:sp>
+        <p:nvSpPr>
+          <p:cNvPr id="5" name="TextBox 4"/>
+          <p:cNvSpPr txBox="1"/>
+          <p:nvPr/>
+        </p:nvSpPr>
+        <p:spPr>
+          <a:xfrm>
+            <a:off x="3997325" y="2059940"/>
+            <a:ext cx="1859280" cy="316230"/>
+          </a:xfrm>
+          <a:prstGeom prst="rect">
+            <a:avLst/>
+          </a:prstGeom>
+          <a:noFill/>
+        </p:spPr>
+        <p:txBody>
+          <a:bodyPr wrap="square" rtlCol="0">
+            <a:spAutoFit/>
+          </a:bodyPr>
+          <a:p>
+            <a:r>
+              <a:rPr lang="x-none" altLang="en-SG" sz="1400"/>
+              <a:t>top roi</a:t>
+            </a:r>
+            <a:endParaRPr lang="x-none" altLang="en-SG" sz="1400"/>
+          </a:p>
+        </p:txBody>
+      </p:sp>
+      <p:sp>
+        <p:nvSpPr>
+          <p:cNvPr id="6" name="Rectangle 5"/>
+          <p:cNvSpPr/>
+          <p:nvPr/>
+        </p:nvSpPr>
+        <p:spPr>
+          <a:xfrm>
+            <a:off x="2895600" y="799465"/>
+            <a:ext cx="2033270" cy="1135380"/>
+          </a:xfrm>
+          <a:prstGeom prst="rect">
+            <a:avLst/>
+          </a:prstGeom>
+          <a:solidFill>
+            <a:schemeClr val="accent6">
+              <a:lumMod val="75000"/>
+            </a:schemeClr>
+          </a:solidFill>
+        </p:spPr>
+        <p:style>
+          <a:lnRef idx="2">
+            <a:schemeClr val="accent1">
+              <a:shade val="50000"/>
+            </a:schemeClr>
+          </a:lnRef>
+          <a:fillRef idx="1">
+            <a:schemeClr val="accent1"/>
+          </a:fillRef>
+          <a:effectRef idx="0">
+            <a:schemeClr val="accent1"/>
+          </a:effectRef>
+          <a:fontRef idx="minor">
+            <a:schemeClr val="lt1"/>
+          </a:fontRef>
+        </p:style>
+        <p:txBody>
+          <a:bodyPr rtlCol="0" anchor="ctr"/>
+          <a:p>
+            <a:pPr algn="ctr"/>
+            <a:r>
+              <a:rPr lang="en-SG" altLang="en-US"/>
+              <a:t>project_to_roi3d</a:t>
+            </a:r>
+            <a:endParaRPr lang="en-SG" altLang="en-US"/>
+          </a:p>
+        </p:txBody>
+      </p:sp>
+      <p:cxnSp>
+        <p:nvCxnSpPr>
+          <p:cNvPr id="8" name="Straight Arrow Connector 7"/>
+          <p:cNvCxnSpPr>
+            <a:endCxn id="11" idx="1"/>
+          </p:cNvCxnSpPr>
+          <p:nvPr/>
+        </p:nvCxnSpPr>
+        <p:spPr>
+          <a:xfrm>
+            <a:off x="4979035" y="1094105"/>
+            <a:ext cx="574675" cy="10160"/>
+          </a:xfrm>
+          <a:prstGeom prst="straightConnector1">
+            <a:avLst/>
+          </a:prstGeom>
+          <a:ln w="31750">
+            <a:solidFill>
+              <a:schemeClr val="accent6">
+                <a:lumMod val="75000"/>
+              </a:schemeClr>
+            </a:solidFill>
+            <a:tailEnd type="arrow"/>
+          </a:ln>
+        </p:spPr>
+        <p:style>
+          <a:lnRef idx="1">
+            <a:schemeClr val="accent1"/>
+          </a:lnRef>
+          <a:fillRef idx="0">
+            <a:schemeClr val="accent1"/>
+          </a:fillRef>
+          <a:effectRef idx="0">
+            <a:schemeClr val="accent1"/>
+          </a:effectRef>
+          <a:fontRef idx="minor">
+            <a:schemeClr val="tx1"/>
+          </a:fontRef>
+        </p:style>
+      </p:cxnSp>
+      <p:sp>
+        <p:nvSpPr>
+          <p:cNvPr id="9" name="TextBox 8"/>
+          <p:cNvSpPr txBox="1"/>
+          <p:nvPr/>
+        </p:nvSpPr>
+        <p:spPr>
+          <a:xfrm>
+            <a:off x="4841875" y="730885"/>
+            <a:ext cx="1859280" cy="316230"/>
+          </a:xfrm>
+          <a:prstGeom prst="rect">
+            <a:avLst/>
+          </a:prstGeom>
+          <a:noFill/>
+        </p:spPr>
+        <p:txBody>
+          <a:bodyPr wrap="square" rtlCol="0">
+            <a:spAutoFit/>
+          </a:bodyPr>
+          <a:p>
+            <a:r>
+              <a:rPr lang="x-none" altLang="en-SG" sz="1400"/>
+              <a:t>3d roi</a:t>
+            </a:r>
+            <a:endParaRPr lang="x-none" altLang="en-SG" sz="1400"/>
+          </a:p>
+        </p:txBody>
+      </p:sp>
+      <p:cxnSp>
+        <p:nvCxnSpPr>
+          <p:cNvPr id="10" name="Straight Arrow Connector 9"/>
+          <p:cNvCxnSpPr/>
+          <p:nvPr/>
+        </p:nvCxnSpPr>
+        <p:spPr>
+          <a:xfrm flipH="1">
+            <a:off x="6922770" y="1406525"/>
+            <a:ext cx="33655" cy="2726055"/>
+          </a:xfrm>
+          <a:prstGeom prst="straightConnector1">
+            <a:avLst/>
+          </a:prstGeom>
+          <a:ln w="31750">
+            <a:solidFill>
+              <a:schemeClr val="accent6">
+                <a:lumMod val="75000"/>
+              </a:schemeClr>
+            </a:solidFill>
+            <a:tailEnd type="arrow"/>
+          </a:ln>
+        </p:spPr>
+        <p:style>
+          <a:lnRef idx="1">
+            <a:schemeClr val="accent1"/>
+          </a:lnRef>
+          <a:fillRef idx="0">
+            <a:schemeClr val="accent1"/>
+          </a:fillRef>
+          <a:effectRef idx="0">
+            <a:schemeClr val="accent1"/>
+          </a:effectRef>
+          <a:fontRef idx="minor">
+            <a:schemeClr val="tx1"/>
+          </a:fontRef>
+        </p:style>
+      </p:cxnSp>
+      <p:sp>
+        <p:nvSpPr>
+          <p:cNvPr id="11" name="Rectangle 10"/>
+          <p:cNvSpPr/>
+          <p:nvPr/>
+        </p:nvSpPr>
+        <p:spPr>
+          <a:xfrm>
+            <a:off x="5553710" y="822960"/>
+            <a:ext cx="3181985" cy="561975"/>
+          </a:xfrm>
+          <a:prstGeom prst="rect">
+            <a:avLst/>
+          </a:prstGeom>
+          <a:solidFill>
+            <a:schemeClr val="accent6">
+              <a:lumMod val="75000"/>
+            </a:schemeClr>
+          </a:solidFill>
+        </p:spPr>
+        <p:style>
+          <a:lnRef idx="2">
+            <a:schemeClr val="accent1">
+              <a:shade val="50000"/>
+            </a:schemeClr>
+          </a:lnRef>
+          <a:fillRef idx="1">
+            <a:schemeClr val="accent1"/>
+          </a:fillRef>
+          <a:effectRef idx="0">
+            <a:schemeClr val="accent1"/>
+          </a:effectRef>
+          <a:fontRef idx="minor">
+            <a:schemeClr val="lt1"/>
+          </a:fontRef>
+        </p:style>
+        <p:txBody>
+          <a:bodyPr rtlCol="0" anchor="ctr"/>
+          <a:p>
+            <a:pPr algn="ctr"/>
+            <a:r>
+              <a:rPr lang="en-SG" altLang="en-US"/>
+              <a:t>project_to_surround_roi</a:t>
+            </a:r>
+            <a:endParaRPr lang="en-SG" altLang="en-US"/>
+          </a:p>
+        </p:txBody>
+      </p:sp>
+      <p:cxnSp>
+        <p:nvCxnSpPr>
+          <p:cNvPr id="14" name="Straight Arrow Connector 13"/>
+          <p:cNvCxnSpPr/>
+          <p:nvPr/>
+        </p:nvCxnSpPr>
+        <p:spPr>
+          <a:xfrm>
+            <a:off x="5267325" y="4380230"/>
+            <a:ext cx="2646680" cy="0"/>
+          </a:xfrm>
+          <a:prstGeom prst="straightConnector1">
+            <a:avLst/>
+          </a:prstGeom>
+          <a:ln w="31750">
+            <a:solidFill>
+              <a:schemeClr val="tx1">
+                <a:lumMod val="75000"/>
+                <a:lumOff val="25000"/>
+              </a:schemeClr>
+            </a:solidFill>
+            <a:tailEnd type="arrow"/>
+          </a:ln>
+        </p:spPr>
+        <p:style>
+          <a:lnRef idx="1">
+            <a:schemeClr val="accent1"/>
+          </a:lnRef>
+          <a:fillRef idx="0">
+            <a:schemeClr val="accent1"/>
+          </a:fillRef>
+          <a:effectRef idx="0">
+            <a:schemeClr val="accent1"/>
+          </a:effectRef>
+          <a:fontRef idx="minor">
+            <a:schemeClr val="tx1"/>
+          </a:fontRef>
+        </p:style>
+      </p:cxnSp>
+      <p:sp>
+        <p:nvSpPr>
+          <p:cNvPr id="15" name="Rectangle 14"/>
+          <p:cNvSpPr/>
+          <p:nvPr/>
+        </p:nvSpPr>
+        <p:spPr>
+          <a:xfrm>
+            <a:off x="2850515" y="3660140"/>
+            <a:ext cx="2381250" cy="1135380"/>
+          </a:xfrm>
+          <a:prstGeom prst="rect">
+            <a:avLst/>
+          </a:prstGeom>
+        </p:spPr>
+        <p:style>
+          <a:lnRef idx="2">
+            <a:schemeClr val="accent1">
+              <a:shade val="50000"/>
+            </a:schemeClr>
+          </a:lnRef>
+          <a:fillRef idx="1">
+            <a:schemeClr val="accent1"/>
+          </a:fillRef>
+          <a:effectRef idx="0">
+            <a:schemeClr val="accent1"/>
+          </a:effectRef>
+          <a:fontRef idx="minor">
+            <a:schemeClr val="lt1"/>
+          </a:fontRef>
+        </p:style>
+        <p:txBody>
+          <a:bodyPr rtlCol="0" anchor="ctr"/>
+          <a:p>
+            <a:pPr algn="ctr"/>
+            <a:r>
+              <a:rPr lang="en-SG" altLang="en-US"/>
+              <a:t>surround_feature_net</a:t>
+            </a:r>
+            <a:endParaRPr lang="en-SG" altLang="en-US"/>
+          </a:p>
+        </p:txBody>
+      </p:sp>
+      <p:cxnSp>
+        <p:nvCxnSpPr>
+          <p:cNvPr id="16" name="Straight Arrow Connector 15"/>
+          <p:cNvCxnSpPr/>
+          <p:nvPr/>
+        </p:nvCxnSpPr>
+        <p:spPr>
+          <a:xfrm>
+            <a:off x="1769110" y="4202430"/>
+            <a:ext cx="1066165" cy="0"/>
+          </a:xfrm>
+          <a:prstGeom prst="straightConnector1">
+            <a:avLst/>
+          </a:prstGeom>
+          <a:ln w="31750">
+            <a:solidFill>
+              <a:schemeClr val="tx1">
+                <a:lumMod val="75000"/>
+                <a:lumOff val="25000"/>
+              </a:schemeClr>
+            </a:solidFill>
+            <a:tailEnd type="arrow"/>
+          </a:ln>
+        </p:spPr>
+        <p:style>
+          <a:lnRef idx="1">
+            <a:schemeClr val="accent1"/>
+          </a:lnRef>
+          <a:fillRef idx="0">
+            <a:schemeClr val="accent1"/>
+          </a:fillRef>
+          <a:effectRef idx="0">
+            <a:schemeClr val="accent1"/>
+          </a:effectRef>
+          <a:fontRef idx="minor">
+            <a:schemeClr val="tx1"/>
+          </a:fontRef>
+        </p:style>
+      </p:cxnSp>
+      <p:sp>
+        <p:nvSpPr>
+          <p:cNvPr id="17" name="TextBox 16"/>
+          <p:cNvSpPr txBox="1"/>
+          <p:nvPr/>
+        </p:nvSpPr>
+        <p:spPr>
+          <a:xfrm>
+            <a:off x="6948170" y="1384300"/>
+            <a:ext cx="1859280" cy="316230"/>
+          </a:xfrm>
+          <a:prstGeom prst="rect">
+            <a:avLst/>
+          </a:prstGeom>
+          <a:noFill/>
+        </p:spPr>
+        <p:txBody>
+          <a:bodyPr wrap="square" rtlCol="0">
+            <a:spAutoFit/>
+          </a:bodyPr>
+          <a:p>
+            <a:r>
+              <a:rPr lang="x-none" altLang="en-SG" sz="1400"/>
+              <a:t>surround roi</a:t>
+            </a:r>
+            <a:endParaRPr lang="x-none" altLang="en-SG" sz="1400"/>
+          </a:p>
+        </p:txBody>
+      </p:sp>
+      <p:cxnSp>
+        <p:nvCxnSpPr>
+          <p:cNvPr id="18" name="Straight Arrow Connector 17"/>
+          <p:cNvCxnSpPr/>
+          <p:nvPr/>
+        </p:nvCxnSpPr>
+        <p:spPr>
+          <a:xfrm flipV="1">
+            <a:off x="6917690" y="4132580"/>
+            <a:ext cx="996315" cy="1905"/>
+          </a:xfrm>
+          <a:prstGeom prst="straightConnector1">
+            <a:avLst/>
+          </a:prstGeom>
+          <a:ln w="31750">
+            <a:solidFill>
+              <a:schemeClr val="accent6">
+                <a:lumMod val="75000"/>
+              </a:schemeClr>
+            </a:solidFill>
+            <a:tailEnd type="arrow"/>
+          </a:ln>
+        </p:spPr>
+        <p:style>
+          <a:lnRef idx="1">
+            <a:schemeClr val="accent1"/>
+          </a:lnRef>
+          <a:fillRef idx="0">
+            <a:schemeClr val="accent1"/>
+          </a:fillRef>
+          <a:effectRef idx="0">
+            <a:schemeClr val="accent1"/>
+          </a:effectRef>
+          <a:fontRef idx="minor">
+            <a:schemeClr val="tx1"/>
+          </a:fontRef>
+        </p:style>
+      </p:cxnSp>
+      <p:cxnSp>
+        <p:nvCxnSpPr>
+          <p:cNvPr id="19" name="Straight Arrow Connector 18"/>
+          <p:cNvCxnSpPr/>
+          <p:nvPr/>
+        </p:nvCxnSpPr>
+        <p:spPr>
+          <a:xfrm flipV="1">
+            <a:off x="4012565" y="2285365"/>
+            <a:ext cx="3732530" cy="35560"/>
+          </a:xfrm>
+          <a:prstGeom prst="straightConnector1">
+            <a:avLst/>
+          </a:prstGeom>
+          <a:ln w="31750">
+            <a:solidFill>
+              <a:schemeClr val="accent6">
+                <a:lumMod val="75000"/>
+              </a:schemeClr>
+            </a:solidFill>
+            <a:tailEnd type="arrow"/>
+          </a:ln>
+        </p:spPr>
+        <p:style>
+          <a:lnRef idx="1">
+            <a:schemeClr val="accent1"/>
+          </a:lnRef>
+          <a:fillRef idx="0">
+            <a:schemeClr val="accent1"/>
+          </a:fillRef>
+          <a:effectRef idx="0">
+            <a:schemeClr val="accent1"/>
+          </a:effectRef>
+          <a:fontRef idx="minor">
+            <a:schemeClr val="tx1"/>
+          </a:fontRef>
+        </p:style>
+      </p:cxnSp>
+      <p:sp>
+        <p:nvSpPr>
+          <p:cNvPr id="22" name="TextBox 21"/>
+          <p:cNvSpPr txBox="1"/>
+          <p:nvPr/>
+        </p:nvSpPr>
+        <p:spPr>
+          <a:xfrm>
+            <a:off x="7781925" y="2206625"/>
+            <a:ext cx="914400" cy="529590"/>
+          </a:xfrm>
+          <a:prstGeom prst="rect">
+            <a:avLst/>
+          </a:prstGeom>
+          <a:noFill/>
+          <a:ln>
+            <a:solidFill>
+              <a:schemeClr val="accent1">
+                <a:lumMod val="75000"/>
+              </a:schemeClr>
+            </a:solidFill>
+          </a:ln>
+        </p:spPr>
+        <p:txBody>
+          <a:bodyPr wrap="square" rtlCol="0">
+            <a:spAutoFit/>
+          </a:bodyPr>
+          <a:p>
+            <a:r>
+              <a:rPr lang="x-none" altLang="en-SG" sz="1400"/>
+              <a:t>roi pooling</a:t>
+            </a:r>
+            <a:endParaRPr lang="x-none" altLang="en-SG" sz="1400"/>
+          </a:p>
+        </p:txBody>
+      </p:sp>
+      <p:sp>
+        <p:nvSpPr>
+          <p:cNvPr id="23" name="TextBox 22"/>
+          <p:cNvSpPr txBox="1"/>
+          <p:nvPr/>
+        </p:nvSpPr>
+        <p:spPr>
+          <a:xfrm>
+            <a:off x="7781925" y="3985895"/>
+            <a:ext cx="914400" cy="529590"/>
+          </a:xfrm>
+          <a:prstGeom prst="rect">
+            <a:avLst/>
+          </a:prstGeom>
+          <a:noFill/>
+          <a:ln>
+            <a:solidFill>
+              <a:schemeClr val="accent1">
+                <a:lumMod val="75000"/>
+              </a:schemeClr>
+            </a:solidFill>
+          </a:ln>
+        </p:spPr>
+        <p:txBody>
+          <a:bodyPr wrap="square" rtlCol="0">
+            <a:spAutoFit/>
+          </a:bodyPr>
+          <a:p>
+            <a:r>
+              <a:rPr lang="x-none" altLang="en-SG" sz="1400"/>
+              <a:t>roi pooling</a:t>
+            </a:r>
+            <a:endParaRPr lang="x-none" altLang="en-SG" sz="1400"/>
+          </a:p>
+        </p:txBody>
+      </p:sp>
+      <p:sp>
+        <p:nvSpPr>
+          <p:cNvPr id="25" name="TextBox 24"/>
+          <p:cNvSpPr txBox="1"/>
+          <p:nvPr/>
+        </p:nvSpPr>
+        <p:spPr>
+          <a:xfrm>
+            <a:off x="8626475" y="3016885"/>
+            <a:ext cx="914400" cy="316230"/>
+          </a:xfrm>
+          <a:prstGeom prst="rect">
+            <a:avLst/>
+          </a:prstGeom>
+          <a:noFill/>
+          <a:ln>
+            <a:solidFill>
+              <a:schemeClr val="accent1">
+                <a:lumMod val="75000"/>
+              </a:schemeClr>
+            </a:solidFill>
+          </a:ln>
+        </p:spPr>
+        <p:txBody>
+          <a:bodyPr wrap="square" rtlCol="0">
+            <a:spAutoFit/>
+          </a:bodyPr>
+          <a:p>
+            <a:r>
+              <a:rPr lang="x-none" altLang="en-SG" sz="1400"/>
+              <a:t>concate</a:t>
+            </a:r>
+            <a:endParaRPr lang="x-none" altLang="en-SG" sz="1400"/>
+          </a:p>
+        </p:txBody>
+      </p:sp>
+      <p:cxnSp>
+        <p:nvCxnSpPr>
+          <p:cNvPr id="26" name="Straight Arrow Connector 25"/>
+          <p:cNvCxnSpPr>
+            <a:endCxn id="25" idx="0"/>
+          </p:cNvCxnSpPr>
+          <p:nvPr/>
+        </p:nvCxnSpPr>
+        <p:spPr>
+          <a:xfrm>
+            <a:off x="8550275" y="2411095"/>
+            <a:ext cx="533400" cy="605790"/>
+          </a:xfrm>
+          <a:prstGeom prst="straightConnector1">
+            <a:avLst/>
+          </a:prstGeom>
+          <a:ln w="31750">
+            <a:solidFill>
+              <a:schemeClr val="tx1">
+                <a:lumMod val="75000"/>
+                <a:lumOff val="25000"/>
+              </a:schemeClr>
+            </a:solidFill>
+            <a:tailEnd type="arrow"/>
+          </a:ln>
+        </p:spPr>
+        <p:style>
+          <a:lnRef idx="1">
+            <a:schemeClr val="accent1"/>
+          </a:lnRef>
+          <a:fillRef idx="0">
+            <a:schemeClr val="accent1"/>
+          </a:fillRef>
+          <a:effectRef idx="0">
+            <a:schemeClr val="accent1"/>
+          </a:effectRef>
+          <a:fontRef idx="minor">
+            <a:schemeClr val="tx1"/>
+          </a:fontRef>
+        </p:style>
+      </p:cxnSp>
+      <p:cxnSp>
+        <p:nvCxnSpPr>
+          <p:cNvPr id="27" name="Straight Arrow Connector 26"/>
+          <p:cNvCxnSpPr/>
+          <p:nvPr/>
+        </p:nvCxnSpPr>
+        <p:spPr>
+          <a:xfrm flipV="1">
+            <a:off x="8606790" y="3445510"/>
+            <a:ext cx="523240" cy="812165"/>
+          </a:xfrm>
+          <a:prstGeom prst="straightConnector1">
+            <a:avLst/>
+          </a:prstGeom>
+          <a:ln w="31750">
+            <a:solidFill>
+              <a:schemeClr val="tx1">
+                <a:lumMod val="75000"/>
+                <a:lumOff val="25000"/>
+              </a:schemeClr>
+            </a:solidFill>
+            <a:tailEnd type="arrow"/>
+          </a:ln>
+        </p:spPr>
+        <p:style>
+          <a:lnRef idx="1">
+            <a:schemeClr val="accent1"/>
+          </a:lnRef>
+          <a:fillRef idx="0">
+            <a:schemeClr val="accent1"/>
+          </a:fillRef>
+          <a:effectRef idx="0">
+            <a:schemeClr val="accent1"/>
+          </a:effectRef>
+          <a:fontRef idx="minor">
+            <a:schemeClr val="tx1"/>
+          </a:fontRef>
+        </p:style>
+      </p:cxnSp>
+      <p:sp>
+        <p:nvSpPr>
+          <p:cNvPr id="30" name="TextBox 29"/>
+          <p:cNvSpPr txBox="1"/>
+          <p:nvPr/>
+        </p:nvSpPr>
+        <p:spPr>
+          <a:xfrm>
+            <a:off x="9876155" y="2915285"/>
+            <a:ext cx="914400" cy="529590"/>
+          </a:xfrm>
+          <a:prstGeom prst="rect">
+            <a:avLst/>
+          </a:prstGeom>
+          <a:noFill/>
+          <a:ln>
+            <a:solidFill>
+              <a:schemeClr val="accent1">
+                <a:lumMod val="75000"/>
+              </a:schemeClr>
+            </a:solidFill>
+          </a:ln>
+        </p:spPr>
+        <p:txBody>
+          <a:bodyPr wrap="square" rtlCol="0">
+            <a:spAutoFit/>
+          </a:bodyPr>
+          <a:p>
+            <a:r>
+              <a:rPr lang="x-none" altLang="en-SG" sz="1400"/>
+              <a:t>rcnn classifier</a:t>
+            </a:r>
+            <a:endParaRPr lang="x-none" altLang="en-SG" sz="1400"/>
+          </a:p>
+        </p:txBody>
+      </p:sp>
+      <p:cxnSp>
+        <p:nvCxnSpPr>
+          <p:cNvPr id="31" name="Straight Arrow Connector 30"/>
+          <p:cNvCxnSpPr>
+            <a:endCxn id="30" idx="1"/>
+          </p:cNvCxnSpPr>
+          <p:nvPr/>
+        </p:nvCxnSpPr>
+        <p:spPr>
+          <a:xfrm flipV="1">
+            <a:off x="9574530" y="3180080"/>
+            <a:ext cx="301625" cy="35560"/>
+          </a:xfrm>
+          <a:prstGeom prst="straightConnector1">
+            <a:avLst/>
+          </a:prstGeom>
+          <a:ln w="31750">
+            <a:solidFill>
+              <a:schemeClr val="tx1">
+                <a:lumMod val="75000"/>
+                <a:lumOff val="25000"/>
+              </a:schemeClr>
+            </a:solidFill>
+            <a:tailEnd type="arrow"/>
+          </a:ln>
+        </p:spPr>
+        <p:style>
+          <a:lnRef idx="1">
+            <a:schemeClr val="accent1"/>
+          </a:lnRef>
+          <a:fillRef idx="0">
+            <a:schemeClr val="accent1"/>
+          </a:fillRef>
+          <a:effectRef idx="0">
+            <a:schemeClr val="accent1"/>
+          </a:effectRef>
+          <a:fontRef idx="minor">
+            <a:schemeClr val="tx1"/>
+          </a:fontRef>
+        </p:style>
+      </p:cxnSp>
+      <p:cxnSp>
+        <p:nvCxnSpPr>
+          <p:cNvPr id="32" name="Straight Arrow Connector 31"/>
+          <p:cNvCxnSpPr/>
+          <p:nvPr/>
+        </p:nvCxnSpPr>
+        <p:spPr>
+          <a:xfrm flipV="1">
+            <a:off x="10768330" y="3163570"/>
+            <a:ext cx="625475" cy="13335"/>
+          </a:xfrm>
+          <a:prstGeom prst="straightConnector1">
+            <a:avLst/>
+          </a:prstGeom>
+          <a:ln w="31750">
+            <a:solidFill>
+              <a:schemeClr val="tx1">
+                <a:lumMod val="75000"/>
+                <a:lumOff val="25000"/>
+              </a:schemeClr>
+            </a:solidFill>
+            <a:tailEnd type="arrow"/>
+          </a:ln>
+        </p:spPr>
+        <p:style>
+          <a:lnRef idx="1">
+            <a:schemeClr val="accent1"/>
+          </a:lnRef>
+          <a:fillRef idx="0">
+            <a:schemeClr val="accent1"/>
+          </a:fillRef>
+          <a:effectRef idx="0">
+            <a:schemeClr val="accent1"/>
+          </a:effectRef>
+          <a:fontRef idx="minor">
+            <a:schemeClr val="tx1"/>
+          </a:fontRef>
+        </p:style>
+      </p:cxnSp>
+      <p:sp>
+        <p:nvSpPr>
+          <p:cNvPr id="33" name="TextBox 32"/>
+          <p:cNvSpPr txBox="1"/>
+          <p:nvPr/>
+        </p:nvSpPr>
+        <p:spPr>
+          <a:xfrm>
+            <a:off x="4493895" y="2431415"/>
+            <a:ext cx="655955" cy="316230"/>
+          </a:xfrm>
+          <a:prstGeom prst="rect">
+            <a:avLst/>
+          </a:prstGeom>
+          <a:noFill/>
+          <a:ln>
+            <a:solidFill>
+              <a:schemeClr val="accent1">
+                <a:lumMod val="75000"/>
+              </a:schemeClr>
+            </a:solidFill>
+          </a:ln>
+        </p:spPr>
+        <p:txBody>
+          <a:bodyPr wrap="square" rtlCol="0">
+            <a:spAutoFit/>
+          </a:bodyPr>
+          <a:p>
+            <a:r>
+              <a:rPr lang="x-none" altLang="en-SG" sz="1400"/>
+              <a:t>rpn</a:t>
+            </a:r>
+            <a:endParaRPr lang="x-none" altLang="en-SG" sz="1400"/>
+          </a:p>
+        </p:txBody>
+      </p:sp>
+    </p:spTree>
+  </p:cSld>
+  <p:clrMapOvr>
+    <a:masterClrMapping/>
+  </p:clrMapOvr>
+</p:sld>
+</file>
+
+<file path=ppt/slides/slide11.xml><?xml version="1.0" encoding="utf-8"?>
+<p:sld xmlns:a="http://schemas.openxmlformats.org/drawingml/2006/main" xmlns:r="http://schemas.openxmlformats.org/officeDocument/2006/relationships" xmlns:p="http://schemas.openxmlformats.org/presentationml/2006/main">
+  <p:cSld>
+    <p:spTree>
+      <p:nvGrpSpPr>
+        <p:cNvPr id="1" name=""/>
+        <p:cNvGrpSpPr/>
+        <p:nvPr/>
+      </p:nvGrpSpPr>
+      <p:grpSpPr/>
+      <p:pic>
+        <p:nvPicPr>
+          <p:cNvPr id="2" name="Picture 1"/>
+          <p:cNvPicPr>
+            <a:picLocks noChangeAspect="1"/>
+          </p:cNvPicPr>
+          <p:nvPr/>
+        </p:nvPicPr>
+        <p:blipFill>
+          <a:blip r:embed="rId1"/>
+          <a:stretch>
+            <a:fillRect/>
+          </a:stretch>
+        </p:blipFill>
+        <p:spPr>
+          <a:xfrm>
+            <a:off x="650240" y="666750"/>
+            <a:ext cx="9742805" cy="2933065"/>
+          </a:xfrm>
+          <a:prstGeom prst="rect">
+            <a:avLst/>
+          </a:prstGeom>
+        </p:spPr>
+      </p:pic>
+      <p:sp>
+        <p:nvSpPr>
+          <p:cNvPr id="5" name="TextBox 4"/>
+          <p:cNvSpPr txBox="1"/>
+          <p:nvPr/>
+        </p:nvSpPr>
+        <p:spPr>
+          <a:xfrm>
+            <a:off x="723900" y="3562350"/>
+            <a:ext cx="3166745" cy="380365"/>
+          </a:xfrm>
+          <a:prstGeom prst="rect">
+            <a:avLst/>
+          </a:prstGeom>
+          <a:noFill/>
+        </p:spPr>
+        <p:txBody>
+          <a:bodyPr wrap="square" rtlCol="0">
+            <a:spAutoFit/>
+          </a:bodyPr>
+          <a:p>
+            <a:r>
+              <a:rPr lang="x-none" altLang="en-SG">
+                <a:solidFill>
+                  <a:srgbClr val="FF0000"/>
+                </a:solidFill>
+              </a:rPr>
+              <a:t>use this to train</a:t>
+            </a:r>
+            <a:endParaRPr lang="x-none" altLang="en-SG">
+              <a:solidFill>
+                <a:srgbClr val="FF0000"/>
+              </a:solidFill>
+            </a:endParaRPr>
+          </a:p>
+        </p:txBody>
+      </p:sp>
+    </p:spTree>
+  </p:cSld>
+  <p:clrMapOvr>
+    <a:masterClrMapping/>
+  </p:clrMapOvr>
+</p:sld>
+</file>
+
+<file path=ppt/slides/slide12.xml><?xml version="1.0" encoding="utf-8"?>
+<p:sld xmlns:a="http://schemas.openxmlformats.org/drawingml/2006/main" xmlns:r="http://schemas.openxmlformats.org/officeDocument/2006/relationships" xmlns:p="http://schemas.openxmlformats.org/presentationml/2006/main">
+  <p:cSld>
+    <p:spTree>
+      <p:nvGrpSpPr>
+        <p:cNvPr id="1" name=""/>
+        <p:cNvGrpSpPr/>
+        <p:nvPr/>
+      </p:nvGrpSpPr>
+      <p:grpSpPr/>
+      <p:pic>
+        <p:nvPicPr>
+          <p:cNvPr id="2" name="Picture 1"/>
+          <p:cNvPicPr>
+            <a:picLocks noChangeAspect="1"/>
+          </p:cNvPicPr>
+          <p:nvPr/>
+        </p:nvPicPr>
+        <p:blipFill>
+          <a:blip r:embed="rId1"/>
+          <a:stretch>
+            <a:fillRect/>
+          </a:stretch>
+        </p:blipFill>
+        <p:spPr>
+          <a:xfrm>
+            <a:off x="196850" y="261620"/>
+            <a:ext cx="9028430" cy="3114040"/>
+          </a:xfrm>
+          <a:prstGeom prst="rect">
+            <a:avLst/>
+          </a:prstGeom>
+        </p:spPr>
+      </p:pic>
+      <p:sp>
+        <p:nvSpPr>
+          <p:cNvPr id="5" name="TextBox 4"/>
+          <p:cNvSpPr txBox="1"/>
+          <p:nvPr/>
+        </p:nvSpPr>
+        <p:spPr>
+          <a:xfrm>
+            <a:off x="318770" y="3416300"/>
+            <a:ext cx="3166745" cy="380365"/>
+          </a:xfrm>
+          <a:prstGeom prst="rect">
+            <a:avLst/>
+          </a:prstGeom>
+          <a:noFill/>
+        </p:spPr>
+        <p:txBody>
+          <a:bodyPr wrap="square" rtlCol="0">
+            <a:spAutoFit/>
+          </a:bodyPr>
+          <a:p>
+            <a:r>
+              <a:rPr lang="x-none" altLang="en-SG">
+                <a:solidFill>
+                  <a:srgbClr val="FF0000"/>
+                </a:solidFill>
+              </a:rPr>
+              <a:t>use this to test</a:t>
+            </a:r>
+            <a:endParaRPr lang="x-none" altLang="en-SG">
+              <a:solidFill>
+                <a:srgbClr val="FF0000"/>
+              </a:solidFill>
+            </a:endParaRPr>
+          </a:p>
+        </p:txBody>
+      </p:sp>
+    </p:spTree>
+  </p:cSld>
+  <p:clrMapOvr>
+    <a:masterClrMapping/>
+  </p:clrMapOvr>
+</p:sld>
+</file>
+
+<file path=ppt/slides/slide13.xml><?xml version="1.0" encoding="utf-8"?>
+<p:sld xmlns:a="http://schemas.openxmlformats.org/drawingml/2006/main" xmlns:r="http://schemas.openxmlformats.org/officeDocument/2006/relationships" xmlns:p="http://schemas.openxmlformats.org/presentationml/2006/main">
+  <p:cSld>
+    <p:spTree>
+      <p:nvGrpSpPr>
+        <p:cNvPr id="1" name=""/>
+        <p:cNvGrpSpPr/>
+        <p:nvPr/>
+      </p:nvGrpSpPr>
+      <p:grpSpPr/>
+      <p:sp>
+        <p:nvSpPr>
+          <p:cNvPr id="3" name="TextBox 2"/>
+          <p:cNvSpPr txBox="1"/>
+          <p:nvPr/>
+        </p:nvSpPr>
+        <p:spPr>
+          <a:xfrm>
+            <a:off x="138430" y="128270"/>
+            <a:ext cx="3166745" cy="380365"/>
+          </a:xfrm>
+          <a:prstGeom prst="rect">
+            <a:avLst/>
+          </a:prstGeom>
+          <a:noFill/>
+        </p:spPr>
+        <p:txBody>
+          <a:bodyPr wrap="square" rtlCol="0">
+            <a:spAutoFit/>
+          </a:bodyPr>
+          <a:p>
+            <a:r>
+              <a:rPr lang="x-none" altLang="en-SG">
+                <a:solidFill>
+                  <a:srgbClr val="FF0000"/>
+                </a:solidFill>
+              </a:rPr>
+              <a:t>expected results </a:t>
+            </a:r>
+            <a:endParaRPr lang="x-none" altLang="en-SG">
+              <a:solidFill>
+                <a:srgbClr val="FF0000"/>
+              </a:solidFill>
+            </a:endParaRPr>
+          </a:p>
+        </p:txBody>
+      </p:sp>
+      <p:pic>
+        <p:nvPicPr>
+          <p:cNvPr id="7" name="Picture 6"/>
+          <p:cNvPicPr>
+            <a:picLocks noChangeAspect="1"/>
+          </p:cNvPicPr>
+          <p:nvPr/>
+        </p:nvPicPr>
+        <p:blipFill>
+          <a:blip r:embed="rId1"/>
+          <a:stretch>
+            <a:fillRect/>
+          </a:stretch>
+        </p:blipFill>
+        <p:spPr>
+          <a:xfrm>
+            <a:off x="4442460" y="187325"/>
+            <a:ext cx="3666490" cy="4028440"/>
+          </a:xfrm>
+          <a:prstGeom prst="rect">
+            <a:avLst/>
+          </a:prstGeom>
+        </p:spPr>
+      </p:pic>
+      <p:pic>
+        <p:nvPicPr>
+          <p:cNvPr id="8" name="Picture 7"/>
+          <p:cNvPicPr>
+            <a:picLocks noChangeAspect="1"/>
+          </p:cNvPicPr>
+          <p:nvPr/>
+        </p:nvPicPr>
+        <p:blipFill>
+          <a:blip r:embed="rId2"/>
+          <a:stretch>
+            <a:fillRect/>
+          </a:stretch>
+        </p:blipFill>
+        <p:spPr>
+          <a:xfrm>
+            <a:off x="4514215" y="4368165"/>
+            <a:ext cx="3390265" cy="1476375"/>
+          </a:xfrm>
+          <a:prstGeom prst="rect">
+            <a:avLst/>
+          </a:prstGeom>
+        </p:spPr>
+      </p:pic>
+      <p:grpSp>
+        <p:nvGrpSpPr>
+          <p:cNvPr id="17" name="Group 16"/>
+          <p:cNvGrpSpPr/>
+          <p:nvPr/>
+        </p:nvGrpSpPr>
+        <p:grpSpPr>
+          <a:xfrm>
+            <a:off x="8195310" y="255905"/>
+            <a:ext cx="3901440" cy="3923030"/>
+            <a:chOff x="351" y="1041"/>
+            <a:chExt cx="6144" cy="6178"/>
+          </a:xfrm>
+        </p:grpSpPr>
+        <p:pic>
+          <p:nvPicPr>
+            <p:cNvPr id="4" name="Picture 3"/>
+            <p:cNvPicPr>
+              <a:picLocks noChangeAspect="1"/>
+            </p:cNvPicPr>
+            <p:nvPr/>
+          </p:nvPicPr>
+          <p:blipFill>
+            <a:blip r:embed="rId3"/>
+            <a:stretch>
+              <a:fillRect/>
+            </a:stretch>
+          </p:blipFill>
+          <p:spPr>
+            <a:xfrm>
+              <a:off x="351" y="1041"/>
+              <a:ext cx="6144" cy="5525"/>
+            </a:xfrm>
+            <a:prstGeom prst="rect">
+              <a:avLst/>
+            </a:prstGeom>
+          </p:spPr>
+        </p:pic>
+        <p:sp>
+          <p:nvSpPr>
+            <p:cNvPr id="6" name="TextBox 5"/>
+            <p:cNvSpPr txBox="1"/>
+            <p:nvPr/>
+          </p:nvSpPr>
+          <p:spPr>
+            <a:xfrm>
+              <a:off x="520" y="6621"/>
+              <a:ext cx="4987" cy="599"/>
+            </a:xfrm>
+            <a:prstGeom prst="rect">
+              <a:avLst/>
+            </a:prstGeom>
+            <a:noFill/>
+          </p:spPr>
+          <p:txBody>
+            <a:bodyPr wrap="square" rtlCol="0">
+              <a:spAutoFit/>
+            </a:bodyPr>
+            <a:p>
+              <a:r>
+                <a:rPr lang="x-none" altLang="en-SG">
+                  <a:solidFill>
+                    <a:srgbClr val="FF0000"/>
+                  </a:solidFill>
+                </a:rPr>
+                <a:t>lidar view</a:t>
+              </a:r>
+              <a:endParaRPr lang="x-none" altLang="en-SG">
+                <a:solidFill>
+                  <a:srgbClr val="FF0000"/>
+                </a:solidFill>
+              </a:endParaRPr>
+            </a:p>
+          </p:txBody>
+        </p:sp>
+        <p:sp>
+          <p:nvSpPr>
+            <p:cNvPr id="9" name="TextBox 8"/>
+            <p:cNvSpPr txBox="1"/>
+            <p:nvPr/>
+          </p:nvSpPr>
+          <p:spPr>
+            <a:xfrm>
+              <a:off x="2638" y="3084"/>
+              <a:ext cx="709" cy="599"/>
+            </a:xfrm>
+            <a:prstGeom prst="rect">
+              <a:avLst/>
+            </a:prstGeom>
+            <a:noFill/>
+          </p:spPr>
+          <p:txBody>
+            <a:bodyPr wrap="square" rtlCol="0">
+              <a:spAutoFit/>
+            </a:bodyPr>
+            <a:p>
+              <a:r>
+                <a:rPr lang="x-none" altLang="en-SG">
+                  <a:solidFill>
+                    <a:schemeClr val="bg1"/>
+                  </a:solidFill>
+                </a:rPr>
+                <a:t>A</a:t>
+              </a:r>
+              <a:endParaRPr lang="x-none" altLang="en-SG">
+                <a:solidFill>
+                  <a:schemeClr val="bg1"/>
+                </a:solidFill>
+              </a:endParaRPr>
+            </a:p>
+          </p:txBody>
+        </p:sp>
+        <p:sp>
+          <p:nvSpPr>
+            <p:cNvPr id="10" name="TextBox 9"/>
+            <p:cNvSpPr txBox="1"/>
+            <p:nvPr/>
+          </p:nvSpPr>
+          <p:spPr>
+            <a:xfrm>
+              <a:off x="1184" y="2516"/>
+              <a:ext cx="709" cy="599"/>
+            </a:xfrm>
+            <a:prstGeom prst="rect">
+              <a:avLst/>
+            </a:prstGeom>
+            <a:noFill/>
+          </p:spPr>
+          <p:txBody>
+            <a:bodyPr wrap="square" rtlCol="0">
+              <a:spAutoFit/>
+            </a:bodyPr>
+            <a:p>
+              <a:r>
+                <a:rPr lang="x-none" altLang="en-SG">
+                  <a:solidFill>
+                    <a:schemeClr val="bg1"/>
+                  </a:solidFill>
+                </a:rPr>
+                <a:t>B</a:t>
+              </a:r>
+              <a:endParaRPr lang="x-none" altLang="en-SG">
+                <a:solidFill>
+                  <a:schemeClr val="bg1"/>
+                </a:solidFill>
+              </a:endParaRPr>
+            </a:p>
+          </p:txBody>
+        </p:sp>
+      </p:grpSp>
+      <p:sp>
+        <p:nvSpPr>
+          <p:cNvPr id="11" name="TextBox 10"/>
+          <p:cNvSpPr txBox="1"/>
+          <p:nvPr/>
+        </p:nvSpPr>
+        <p:spPr>
+          <a:xfrm>
+            <a:off x="5650230" y="741680"/>
+            <a:ext cx="450215" cy="380365"/>
+          </a:xfrm>
+          <a:prstGeom prst="rect">
+            <a:avLst/>
+          </a:prstGeom>
+          <a:noFill/>
+        </p:spPr>
+        <p:txBody>
+          <a:bodyPr wrap="square" rtlCol="0">
+            <a:spAutoFit/>
+          </a:bodyPr>
+          <a:p>
+            <a:r>
+              <a:rPr lang="x-none" altLang="en-SG">
+                <a:solidFill>
+                  <a:schemeClr val="bg1"/>
+                </a:solidFill>
+              </a:rPr>
+              <a:t>B</a:t>
+            </a:r>
+            <a:endParaRPr lang="x-none" altLang="en-SG">
+              <a:solidFill>
+                <a:schemeClr val="bg1"/>
+              </a:solidFill>
+            </a:endParaRPr>
+          </a:p>
+        </p:txBody>
+      </p:sp>
+      <p:sp>
+        <p:nvSpPr>
+          <p:cNvPr id="12" name="TextBox 11"/>
+          <p:cNvSpPr txBox="1"/>
+          <p:nvPr/>
+        </p:nvSpPr>
+        <p:spPr>
+          <a:xfrm>
+            <a:off x="4580890" y="5099685"/>
+            <a:ext cx="450215" cy="380365"/>
+          </a:xfrm>
+          <a:prstGeom prst="rect">
+            <a:avLst/>
+          </a:prstGeom>
+          <a:noFill/>
+        </p:spPr>
+        <p:txBody>
+          <a:bodyPr wrap="square" rtlCol="0">
+            <a:spAutoFit/>
+          </a:bodyPr>
+          <a:p>
+            <a:r>
+              <a:rPr lang="x-none" altLang="en-SG">
+                <a:solidFill>
+                  <a:schemeClr val="bg1"/>
+                </a:solidFill>
+              </a:rPr>
+              <a:t>B</a:t>
+            </a:r>
+            <a:endParaRPr lang="x-none" altLang="en-SG">
+              <a:solidFill>
+                <a:schemeClr val="bg1"/>
+              </a:solidFill>
+            </a:endParaRPr>
+          </a:p>
+        </p:txBody>
+      </p:sp>
+      <p:sp>
+        <p:nvSpPr>
+          <p:cNvPr id="13" name="TextBox 12"/>
+          <p:cNvSpPr txBox="1"/>
+          <p:nvPr/>
+        </p:nvSpPr>
+        <p:spPr>
+          <a:xfrm>
+            <a:off x="5932805" y="4908550"/>
+            <a:ext cx="450215" cy="380365"/>
+          </a:xfrm>
+          <a:prstGeom prst="rect">
+            <a:avLst/>
+          </a:prstGeom>
+          <a:noFill/>
+        </p:spPr>
+        <p:txBody>
+          <a:bodyPr wrap="square" rtlCol="0">
+            <a:spAutoFit/>
+          </a:bodyPr>
+          <a:p>
+            <a:r>
+              <a:rPr lang="x-none" altLang="en-SG">
+                <a:solidFill>
+                  <a:schemeClr val="bg1"/>
+                </a:solidFill>
+              </a:rPr>
+              <a:t>A</a:t>
+            </a:r>
+            <a:endParaRPr lang="x-none" altLang="en-SG">
+              <a:solidFill>
+                <a:schemeClr val="bg1"/>
+              </a:solidFill>
+            </a:endParaRPr>
+          </a:p>
+        </p:txBody>
+      </p:sp>
+      <p:grpSp>
+        <p:nvGrpSpPr>
+          <p:cNvPr id="16" name="Group 15"/>
+          <p:cNvGrpSpPr/>
+          <p:nvPr/>
+        </p:nvGrpSpPr>
+        <p:grpSpPr>
+          <a:xfrm>
+            <a:off x="227965" y="644525"/>
+            <a:ext cx="3761740" cy="4037330"/>
+            <a:chOff x="13234" y="4242"/>
+            <a:chExt cx="5924" cy="6358"/>
+          </a:xfrm>
+        </p:grpSpPr>
+        <p:pic>
+          <p:nvPicPr>
+            <p:cNvPr id="14" name="Picture 13"/>
+            <p:cNvPicPr>
+              <a:picLocks noChangeAspect="1"/>
+            </p:cNvPicPr>
+            <p:nvPr/>
+          </p:nvPicPr>
+          <p:blipFill>
+            <a:blip r:embed="rId4"/>
+            <a:stretch>
+              <a:fillRect/>
+            </a:stretch>
+          </p:blipFill>
+          <p:spPr>
+            <a:xfrm>
+              <a:off x="13234" y="4242"/>
+              <a:ext cx="5924" cy="6359"/>
+            </a:xfrm>
+            <a:prstGeom prst="rect">
+              <a:avLst/>
+            </a:prstGeom>
+          </p:spPr>
+        </p:pic>
+        <p:sp>
+          <p:nvSpPr>
+            <p:cNvPr id="15" name="TextBox 14"/>
+            <p:cNvSpPr txBox="1"/>
+            <p:nvPr/>
+          </p:nvSpPr>
+          <p:spPr>
+            <a:xfrm>
+              <a:off x="13313" y="4734"/>
+              <a:ext cx="3618" cy="599"/>
+            </a:xfrm>
+            <a:prstGeom prst="rect">
+              <a:avLst/>
+            </a:prstGeom>
+            <a:noFill/>
+          </p:spPr>
+          <p:txBody>
+            <a:bodyPr wrap="square" rtlCol="0">
+              <a:spAutoFit/>
+            </a:bodyPr>
+            <a:p>
+              <a:r>
+                <a:rPr lang="x-none" altLang="en-SG">
+                  <a:solidFill>
+                    <a:srgbClr val="FFFF00"/>
+                  </a:solidFill>
+                </a:rPr>
+                <a:t>proposals</a:t>
+              </a:r>
+              <a:endParaRPr lang="x-none" altLang="en-SG">
+                <a:solidFill>
+                  <a:srgbClr val="FFFF00"/>
+                </a:solidFill>
+              </a:endParaRPr>
+            </a:p>
+          </p:txBody>
+        </p:sp>
+      </p:grpSp>
+      <p:cxnSp>
+        <p:nvCxnSpPr>
+          <p:cNvPr id="19" name="Straight Connector 18"/>
+          <p:cNvCxnSpPr/>
+          <p:nvPr/>
+        </p:nvCxnSpPr>
+        <p:spPr>
+          <a:xfrm>
+            <a:off x="4231640" y="236220"/>
+            <a:ext cx="0" cy="6440805"/>
+          </a:xfrm>
+          <a:prstGeom prst="line">
+            <a:avLst/>
+          </a:prstGeom>
+        </p:spPr>
+        <p:style>
+          <a:lnRef idx="1">
+            <a:schemeClr val="accent1"/>
+          </a:lnRef>
+          <a:fillRef idx="0">
+            <a:schemeClr val="accent1"/>
+          </a:fillRef>
+          <a:effectRef idx="0">
+            <a:schemeClr val="accent1"/>
+          </a:effectRef>
+          <a:fontRef idx="minor">
+            <a:schemeClr val="tx1"/>
+          </a:fontRef>
+        </p:style>
+      </p:cxnSp>
+      <p:sp>
+        <p:nvSpPr>
+          <p:cNvPr id="20" name="Oval 19"/>
+          <p:cNvSpPr/>
+          <p:nvPr/>
+        </p:nvSpPr>
+        <p:spPr>
+          <a:xfrm>
+            <a:off x="1111885" y="517525"/>
+            <a:ext cx="473075" cy="450215"/>
+          </a:xfrm>
+          <a:prstGeom prst="ellipse">
+            <a:avLst/>
+          </a:prstGeom>
+          <a:noFill/>
+          <a:ln>
+            <a:solidFill>
+              <a:srgbClr val="FF0000"/>
+            </a:solidFill>
+          </a:ln>
+        </p:spPr>
+        <p:style>
+          <a:lnRef idx="2">
+            <a:schemeClr val="accent1">
+              <a:shade val="50000"/>
+            </a:schemeClr>
+          </a:lnRef>
+          <a:fillRef idx="1">
+            <a:schemeClr val="accent1"/>
+          </a:fillRef>
+          <a:effectRef idx="0">
+            <a:schemeClr val="accent1"/>
+          </a:effectRef>
+          <a:fontRef idx="minor">
+            <a:schemeClr val="lt1"/>
+          </a:fontRef>
+        </p:style>
+        <p:txBody>
+          <a:bodyPr rtlCol="0" anchor="ctr"/>
+          <a:p>
+            <a:pPr algn="ctr"/>
+            <a:endParaRPr lang="en-SG" altLang="en-US"/>
+          </a:p>
+        </p:txBody>
+      </p:sp>
+      <p:sp>
+        <p:nvSpPr>
+          <p:cNvPr id="21" name="Oval 20"/>
+          <p:cNvSpPr/>
+          <p:nvPr/>
+        </p:nvSpPr>
+        <p:spPr>
+          <a:xfrm>
+            <a:off x="5429885" y="60325"/>
+            <a:ext cx="473075" cy="450215"/>
+          </a:xfrm>
+          <a:prstGeom prst="ellipse">
+            <a:avLst/>
+          </a:prstGeom>
+          <a:noFill/>
+          <a:ln>
+            <a:solidFill>
+              <a:srgbClr val="FF0000"/>
+            </a:solidFill>
+          </a:ln>
+        </p:spPr>
+        <p:style>
+          <a:lnRef idx="2">
+            <a:schemeClr val="accent1">
+              <a:shade val="50000"/>
+            </a:schemeClr>
+          </a:lnRef>
+          <a:fillRef idx="1">
+            <a:schemeClr val="accent1"/>
+          </a:fillRef>
+          <a:effectRef idx="0">
+            <a:schemeClr val="accent1"/>
+          </a:effectRef>
+          <a:fontRef idx="minor">
+            <a:schemeClr val="lt1"/>
+          </a:fontRef>
+        </p:style>
+        <p:txBody>
+          <a:bodyPr rtlCol="0" anchor="ctr"/>
+          <a:p>
+            <a:pPr algn="ctr"/>
+            <a:endParaRPr lang="en-SG" altLang="en-US"/>
+          </a:p>
+        </p:txBody>
+      </p:sp>
+      <p:sp>
+        <p:nvSpPr>
+          <p:cNvPr id="22" name="Oval 21"/>
+          <p:cNvSpPr/>
+          <p:nvPr/>
+        </p:nvSpPr>
+        <p:spPr>
+          <a:xfrm>
+            <a:off x="5467985" y="4238625"/>
+            <a:ext cx="473075" cy="450215"/>
+          </a:xfrm>
+          <a:prstGeom prst="ellipse">
+            <a:avLst/>
+          </a:prstGeom>
+          <a:noFill/>
+          <a:ln>
+            <a:solidFill>
+              <a:srgbClr val="FF0000"/>
+            </a:solidFill>
+          </a:ln>
+        </p:spPr>
+        <p:style>
+          <a:lnRef idx="2">
+            <a:schemeClr val="accent1">
+              <a:shade val="50000"/>
+            </a:schemeClr>
+          </a:lnRef>
+          <a:fillRef idx="1">
+            <a:schemeClr val="accent1"/>
+          </a:fillRef>
+          <a:effectRef idx="0">
+            <a:schemeClr val="accent1"/>
+          </a:effectRef>
+          <a:fontRef idx="minor">
+            <a:schemeClr val="lt1"/>
+          </a:fontRef>
+        </p:style>
+        <p:txBody>
+          <a:bodyPr rtlCol="0" anchor="ctr"/>
+          <a:p>
+            <a:pPr algn="ctr"/>
+            <a:endParaRPr lang="en-SG" altLang="en-US"/>
+          </a:p>
+        </p:txBody>
+      </p:sp>
+    </p:spTree>
+  </p:cSld>
+  <p:clrMapOvr>
+    <a:masterClrMapping/>
+  </p:clrMapOvr>
+</p:sld>
+</file>
+
 <file path=ppt/slides/slide2.xml><?xml version="1.0" encoding="utf-8"?>
 <p:sld xmlns:a="http://schemas.openxmlformats.org/drawingml/2006/main" xmlns:r="http://schemas.openxmlformats.org/officeDocument/2006/relationships" xmlns:p="http://schemas.openxmlformats.org/presentationml/2006/main">
   <p:cSld>
@@ -5301,6 +7226,73 @@
           </a:fontRef>
         </p:style>
       </p:cxnSp>
+      <p:sp>
+        <p:nvSpPr>
+          <p:cNvPr id="39" name="TextBox 38"/>
+          <p:cNvSpPr txBox="1"/>
+          <p:nvPr/>
+        </p:nvSpPr>
+        <p:spPr>
+          <a:xfrm>
+            <a:off x="440690" y="5607050"/>
+            <a:ext cx="11476990" cy="929005"/>
+          </a:xfrm>
+          <a:prstGeom prst="rect">
+            <a:avLst/>
+          </a:prstGeom>
+          <a:noFill/>
+        </p:spPr>
+        <p:txBody>
+          <a:bodyPr wrap="square" rtlCol="0">
+            <a:spAutoFit/>
+          </a:bodyPr>
+          <a:p>
+            <a:r>
+              <a:rPr lang="x-none" altLang="en-SG" i="1">
+                <a:solidFill>
+                  <a:srgbClr val="FF0000"/>
+                </a:solidFill>
+              </a:rPr>
+              <a:t>To debug code,  i) lauch script using external python (becuase pycharm don't read .bashrc is is required </a:t>
+            </a:r>
+            <a:endParaRPr lang="x-none" altLang="en-SG" i="1">
+              <a:solidFill>
+                <a:srgbClr val="FF0000"/>
+              </a:solidFill>
+            </a:endParaRPr>
+          </a:p>
+          <a:p>
+            <a:r>
+              <a:rPr lang="x-none" altLang="en-SG" i="1">
+                <a:solidFill>
+                  <a:srgbClr val="FF0000"/>
+                </a:solidFill>
+              </a:rPr>
+              <a:t>                    to setup env for ROS)</a:t>
+            </a:r>
+            <a:br>
+              <a:rPr lang="x-none" altLang="en-SG" i="1">
+                <a:solidFill>
+                  <a:srgbClr val="FF0000"/>
+                </a:solidFill>
+              </a:rPr>
+            </a:br>
+            <a:r>
+              <a:rPr lang="x-none" altLang="en-SG" i="1">
+                <a:solidFill>
+                  <a:srgbClr val="FF0000"/>
+                </a:solidFill>
+              </a:rPr>
+              <a:t>                 ii) use pycharm 'attach to local process' for debug and stepping through breakpoints</a:t>
+            </a:r>
+            <a:endParaRPr lang="x-none" altLang="en-SG" i="1">
+              <a:solidFill>
+                <a:srgbClr val="FF0000"/>
+              </a:solidFill>
+            </a:endParaRPr>
+          </a:p>
+        </p:txBody>
+      </p:sp>
     </p:spTree>
   </p:cSld>
   <p:clrMapOvr>
@@ -5590,43 +7582,6 @@
       </p:pic>
       <p:sp>
         <p:nvSpPr>
-          <p:cNvPr id="2" name="TextBox 1"/>
-          <p:cNvSpPr txBox="1"/>
-          <p:nvPr/>
-        </p:nvSpPr>
-        <p:spPr>
-          <a:xfrm>
-            <a:off x="1100455" y="4096385"/>
-            <a:ext cx="6947535" cy="1054100"/>
-          </a:xfrm>
-          <a:prstGeom prst="rect">
-            <a:avLst/>
-          </a:prstGeom>
-          <a:noFill/>
-        </p:spPr>
-        <p:txBody>
-          <a:bodyPr wrap="square" rtlCol="0">
-            <a:spAutoFit/>
-          </a:bodyPr>
-          <a:p>
-            <a:r>
-              <a:rPr lang="x-none" altLang="en-SG" sz="6000">
-                <a:solidFill>
-                  <a:srgbClr val="FF0000"/>
-                </a:solidFill>
-              </a:rPr>
-              <a:t>[to be updated!]</a:t>
-            </a:r>
-            <a:endParaRPr lang="x-none" altLang="en-SG" sz="6000">
-              <a:solidFill>
-                <a:srgbClr val="FF0000"/>
-              </a:solidFill>
-            </a:endParaRPr>
-          </a:p>
-        </p:txBody>
-      </p:sp>
-      <p:sp>
-        <p:nvSpPr>
           <p:cNvPr id="4" name="TextBox 3"/>
           <p:cNvSpPr txBox="1"/>
           <p:nvPr/>
@@ -5664,14 +7619,14 @@
       </p:sp>
       <p:sp>
         <p:nvSpPr>
-          <p:cNvPr id="3" name="TextBox 2"/>
+          <p:cNvPr id="10" name="TextBox 9"/>
           <p:cNvSpPr txBox="1"/>
           <p:nvPr/>
         </p:nvSpPr>
         <p:spPr>
           <a:xfrm>
-            <a:off x="1254125" y="5288280"/>
-            <a:ext cx="9931400" cy="365760"/>
+            <a:off x="405130" y="4538345"/>
+            <a:ext cx="10062210" cy="380365"/>
           </a:xfrm>
           <a:prstGeom prst="rect">
             <a:avLst/>
@@ -5679,44 +7634,7 @@
           <a:noFill/>
         </p:spPr>
         <p:txBody>
-          <a:bodyPr wrap="square" rtlCol="0" anchor="t">
-            <a:spAutoFit/>
-          </a:bodyPr>
-          <a:p>
-            <a:r>
-              <a:rPr lang="en-SG" altLang="en-US">
-                <a:solidFill>
-                  <a:srgbClr val="FF0000"/>
-                </a:solidFill>
-              </a:rPr>
-              <a:t>https://github.com/hengck23/didi-udacity-2017/tree/master/baseline-04/didi_data</a:t>
-            </a:r>
-            <a:endParaRPr lang="en-SG" altLang="en-US">
-              <a:solidFill>
-                <a:srgbClr val="FF0000"/>
-              </a:solidFill>
-            </a:endParaRPr>
-          </a:p>
-        </p:txBody>
-      </p:sp>
-      <p:sp>
-        <p:nvSpPr>
-          <p:cNvPr id="8" name="TextBox 7"/>
-          <p:cNvSpPr txBox="1"/>
-          <p:nvPr/>
-        </p:nvSpPr>
-        <p:spPr>
-          <a:xfrm>
-            <a:off x="1263650" y="4973955"/>
-            <a:ext cx="9931400" cy="380365"/>
-          </a:xfrm>
-          <a:prstGeom prst="rect">
-            <a:avLst/>
-          </a:prstGeom>
-          <a:noFill/>
-        </p:spPr>
-        <p:txBody>
-          <a:bodyPr wrap="square" rtlCol="0" anchor="t">
+          <a:bodyPr wrap="square" rtlCol="0">
             <a:spAutoFit/>
           </a:bodyPr>
           <a:p>
@@ -5726,7 +7644,7 @@
                   <a:srgbClr val="FF0000"/>
                 </a:solidFill>
               </a:rPr>
-              <a:t>i will explain this tomorrow, you you can take a look at</a:t>
+              <a:t>- software version: baseline-04</a:t>
             </a:r>
             <a:endParaRPr lang="x-none" altLang="en-SG">
               <a:solidFill>
@@ -5738,7 +7656,7 @@
       </p:sp>
       <p:pic>
         <p:nvPicPr>
-          <p:cNvPr id="9" name="Picture 8"/>
+          <p:cNvPr id="11" name="Picture 10"/>
           <p:cNvPicPr>
             <a:picLocks noChangeAspect="1"/>
           </p:cNvPicPr>
@@ -5752,14 +7670,47 @@
         </p:blipFill>
         <p:spPr>
           <a:xfrm>
-            <a:off x="1237615" y="5647690"/>
-            <a:ext cx="3340100" cy="1083310"/>
+            <a:off x="3839210" y="4627245"/>
+            <a:ext cx="6000115" cy="1657350"/>
           </a:xfrm>
           <a:prstGeom prst="rect">
             <a:avLst/>
           </a:prstGeom>
         </p:spPr>
       </p:pic>
+      <p:cxnSp>
+        <p:nvCxnSpPr>
+          <p:cNvPr id="16" name="Straight Arrow Connector 15"/>
+          <p:cNvCxnSpPr/>
+          <p:nvPr/>
+        </p:nvCxnSpPr>
+        <p:spPr>
+          <a:xfrm>
+            <a:off x="3049270" y="4898390"/>
+            <a:ext cx="1137285" cy="1148080"/>
+          </a:xfrm>
+          <a:prstGeom prst="straightConnector1">
+            <a:avLst/>
+          </a:prstGeom>
+          <a:ln>
+            <a:tailEnd type="arrow"/>
+          </a:ln>
+        </p:spPr>
+        <p:style>
+          <a:lnRef idx="1">
+            <a:schemeClr val="accent1"/>
+          </a:lnRef>
+          <a:fillRef idx="0">
+            <a:schemeClr val="accent1"/>
+          </a:fillRef>
+          <a:effectRef idx="0">
+            <a:schemeClr val="accent1"/>
+          </a:effectRef>
+          <a:fontRef idx="minor">
+            <a:schemeClr val="tx1"/>
+          </a:fontRef>
+        </p:style>
+      </p:cxnSp>
     </p:spTree>
   </p:cSld>
   <p:clrMapOvr>
@@ -5778,6 +7729,499 @@
         <p:nvPr/>
       </p:nvGrpSpPr>
       <p:grpSpPr/>
+      <p:sp>
+        <p:nvSpPr>
+          <p:cNvPr id="12" name="TextBox 11"/>
+          <p:cNvSpPr txBox="1"/>
+          <p:nvPr/>
+        </p:nvSpPr>
+        <p:spPr>
+          <a:xfrm>
+            <a:off x="249555" y="228600"/>
+            <a:ext cx="5676900" cy="380365"/>
+          </a:xfrm>
+          <a:prstGeom prst="rect">
+            <a:avLst/>
+          </a:prstGeom>
+          <a:noFill/>
+        </p:spPr>
+        <p:txBody>
+          <a:bodyPr wrap="square" rtlCol="0">
+            <a:spAutoFit/>
+          </a:bodyPr>
+          <a:p>
+            <a:r>
+              <a:rPr lang="x-none" altLang="en-SG">
+                <a:solidFill>
+                  <a:srgbClr val="FF0000"/>
+                </a:solidFill>
+              </a:rPr>
+              <a:t>use this to check dump lidar file</a:t>
+            </a:r>
+            <a:endParaRPr lang="x-none" altLang="en-SG">
+              <a:solidFill>
+                <a:srgbClr val="FF0000"/>
+              </a:solidFill>
+            </a:endParaRPr>
+          </a:p>
+        </p:txBody>
+      </p:sp>
+      <p:pic>
+        <p:nvPicPr>
+          <p:cNvPr id="2" name="Picture 1"/>
+          <p:cNvPicPr>
+            <a:picLocks noChangeAspect="1"/>
+          </p:cNvPicPr>
+          <p:nvPr/>
+        </p:nvPicPr>
+        <p:blipFill>
+          <a:blip r:embed="rId1"/>
+          <a:stretch>
+            <a:fillRect/>
+          </a:stretch>
+        </p:blipFill>
+        <p:spPr>
+          <a:xfrm>
+            <a:off x="284480" y="712470"/>
+            <a:ext cx="11419205" cy="4847590"/>
+          </a:xfrm>
+          <a:prstGeom prst="rect">
+            <a:avLst/>
+          </a:prstGeom>
+        </p:spPr>
+      </p:pic>
+      <p:cxnSp>
+        <p:nvCxnSpPr>
+          <p:cNvPr id="3" name="Straight Arrow Connector 2"/>
+          <p:cNvCxnSpPr/>
+          <p:nvPr/>
+        </p:nvCxnSpPr>
+        <p:spPr>
+          <a:xfrm>
+            <a:off x="1900555" y="551180"/>
+            <a:ext cx="1880235" cy="3085465"/>
+          </a:xfrm>
+          <a:prstGeom prst="straightConnector1">
+            <a:avLst/>
+          </a:prstGeom>
+          <a:ln>
+            <a:tailEnd type="arrow"/>
+          </a:ln>
+        </p:spPr>
+        <p:style>
+          <a:lnRef idx="1">
+            <a:schemeClr val="accent1"/>
+          </a:lnRef>
+          <a:fillRef idx="0">
+            <a:schemeClr val="accent1"/>
+          </a:fillRef>
+          <a:effectRef idx="0">
+            <a:schemeClr val="accent1"/>
+          </a:effectRef>
+          <a:fontRef idx="minor">
+            <a:schemeClr val="tx1"/>
+          </a:fontRef>
+        </p:style>
+      </p:cxnSp>
+    </p:spTree>
+  </p:cSld>
+  <p:clrMapOvr>
+    <a:masterClrMapping/>
+  </p:clrMapOvr>
+</p:sld>
+</file>
+
+<file path=ppt/slides/slide8.xml><?xml version="1.0" encoding="utf-8"?>
+<p:sld xmlns:a="http://schemas.openxmlformats.org/drawingml/2006/main" xmlns:r="http://schemas.openxmlformats.org/officeDocument/2006/relationships" xmlns:p="http://schemas.openxmlformats.org/presentationml/2006/main">
+  <p:cSld>
+    <p:spTree>
+      <p:nvGrpSpPr>
+        <p:cNvPr id="1" name=""/>
+        <p:cNvGrpSpPr/>
+        <p:nvPr/>
+      </p:nvGrpSpPr>
+      <p:grpSpPr/>
+      <p:pic>
+        <p:nvPicPr>
+          <p:cNvPr id="3" name="Picture 2"/>
+          <p:cNvPicPr>
+            <a:picLocks noChangeAspect="1"/>
+          </p:cNvPicPr>
+          <p:nvPr/>
+        </p:nvPicPr>
+        <p:blipFill>
+          <a:blip r:embed="rId1"/>
+          <a:stretch>
+            <a:fillRect/>
+          </a:stretch>
+        </p:blipFill>
+        <p:spPr>
+          <a:xfrm>
+            <a:off x="342265" y="562610"/>
+            <a:ext cx="8724900" cy="3749675"/>
+          </a:xfrm>
+          <a:prstGeom prst="rect">
+            <a:avLst/>
+          </a:prstGeom>
+        </p:spPr>
+      </p:pic>
+      <p:sp>
+        <p:nvSpPr>
+          <p:cNvPr id="12" name="TextBox 11"/>
+          <p:cNvSpPr txBox="1"/>
+          <p:nvPr/>
+        </p:nvSpPr>
+        <p:spPr>
+          <a:xfrm>
+            <a:off x="249555" y="228600"/>
+            <a:ext cx="5676900" cy="380365"/>
+          </a:xfrm>
+          <a:prstGeom prst="rect">
+            <a:avLst/>
+          </a:prstGeom>
+          <a:noFill/>
+        </p:spPr>
+        <p:txBody>
+          <a:bodyPr wrap="square" rtlCol="0">
+            <a:spAutoFit/>
+          </a:bodyPr>
+          <a:p>
+            <a:r>
+              <a:rPr lang="x-none" altLang="en-SG">
+                <a:solidFill>
+                  <a:srgbClr val="FF0000"/>
+                </a:solidFill>
+              </a:rPr>
+              <a:t>use this to make top view image</a:t>
+            </a:r>
+            <a:endParaRPr lang="x-none" altLang="en-SG">
+              <a:solidFill>
+                <a:srgbClr val="FF0000"/>
+              </a:solidFill>
+            </a:endParaRPr>
+          </a:p>
+        </p:txBody>
+      </p:sp>
+      <p:cxnSp>
+        <p:nvCxnSpPr>
+          <p:cNvPr id="4" name="Straight Arrow Connector 3"/>
+          <p:cNvCxnSpPr/>
+          <p:nvPr/>
+        </p:nvCxnSpPr>
+        <p:spPr>
+          <a:xfrm>
+            <a:off x="1900555" y="551180"/>
+            <a:ext cx="1497330" cy="563245"/>
+          </a:xfrm>
+          <a:prstGeom prst="straightConnector1">
+            <a:avLst/>
+          </a:prstGeom>
+          <a:ln>
+            <a:tailEnd type="arrow"/>
+          </a:ln>
+        </p:spPr>
+        <p:style>
+          <a:lnRef idx="1">
+            <a:schemeClr val="accent1"/>
+          </a:lnRef>
+          <a:fillRef idx="0">
+            <a:schemeClr val="accent1"/>
+          </a:fillRef>
+          <a:effectRef idx="0">
+            <a:schemeClr val="accent1"/>
+          </a:effectRef>
+          <a:fontRef idx="minor">
+            <a:schemeClr val="tx1"/>
+          </a:fontRef>
+        </p:style>
+      </p:cxnSp>
+      <p:sp>
+        <p:nvSpPr>
+          <p:cNvPr id="5" name="TextBox 4"/>
+          <p:cNvSpPr txBox="1"/>
+          <p:nvPr/>
+        </p:nvSpPr>
+        <p:spPr>
+          <a:xfrm>
+            <a:off x="8842375" y="3618865"/>
+            <a:ext cx="3166745" cy="380365"/>
+          </a:xfrm>
+          <a:prstGeom prst="rect">
+            <a:avLst/>
+          </a:prstGeom>
+          <a:noFill/>
+        </p:spPr>
+        <p:txBody>
+          <a:bodyPr wrap="square" rtlCol="0">
+            <a:spAutoFit/>
+          </a:bodyPr>
+          <a:p>
+            <a:r>
+              <a:rPr lang="x-none" altLang="en-SG">
+                <a:solidFill>
+                  <a:srgbClr val="FF0000"/>
+                </a:solidFill>
+              </a:rPr>
+              <a:t>my results are found here</a:t>
+            </a:r>
+            <a:endParaRPr lang="x-none" altLang="en-SG">
+              <a:solidFill>
+                <a:srgbClr val="FF0000"/>
+              </a:solidFill>
+            </a:endParaRPr>
+          </a:p>
+        </p:txBody>
+      </p:sp>
+      <p:pic>
+        <p:nvPicPr>
+          <p:cNvPr id="2" name="Picture 1"/>
+          <p:cNvPicPr>
+            <a:picLocks noChangeAspect="1"/>
+          </p:cNvPicPr>
+          <p:nvPr/>
+        </p:nvPicPr>
+        <p:blipFill>
+          <a:blip r:embed="rId2"/>
+          <a:stretch>
+            <a:fillRect/>
+          </a:stretch>
+        </p:blipFill>
+        <p:spPr>
+          <a:xfrm>
+            <a:off x="7841615" y="3963035"/>
+            <a:ext cx="4098925" cy="2728595"/>
+          </a:xfrm>
+          <a:prstGeom prst="rect">
+            <a:avLst/>
+          </a:prstGeom>
+        </p:spPr>
+      </p:pic>
+      <p:pic>
+        <p:nvPicPr>
+          <p:cNvPr id="6" name="Picture 5"/>
+          <p:cNvPicPr>
+            <a:picLocks noChangeAspect="1"/>
+          </p:cNvPicPr>
+          <p:nvPr/>
+        </p:nvPicPr>
+        <p:blipFill>
+          <a:blip r:embed="rId3"/>
+          <a:stretch>
+            <a:fillRect/>
+          </a:stretch>
+        </p:blipFill>
+        <p:spPr>
+          <a:xfrm>
+            <a:off x="6280785" y="4030980"/>
+            <a:ext cx="1378585" cy="2694305"/>
+          </a:xfrm>
+          <a:prstGeom prst="rect">
+            <a:avLst/>
+          </a:prstGeom>
+        </p:spPr>
+      </p:pic>
+      <p:cxnSp>
+        <p:nvCxnSpPr>
+          <p:cNvPr id="7" name="Straight Arrow Connector 6"/>
+          <p:cNvCxnSpPr/>
+          <p:nvPr/>
+        </p:nvCxnSpPr>
+        <p:spPr>
+          <a:xfrm>
+            <a:off x="3589655" y="2769870"/>
+            <a:ext cx="2804160" cy="2488565"/>
+          </a:xfrm>
+          <a:prstGeom prst="straightConnector1">
+            <a:avLst/>
+          </a:prstGeom>
+          <a:ln>
+            <a:tailEnd type="arrow"/>
+          </a:ln>
+        </p:spPr>
+        <p:style>
+          <a:lnRef idx="1">
+            <a:schemeClr val="accent1"/>
+          </a:lnRef>
+          <a:fillRef idx="0">
+            <a:schemeClr val="accent1"/>
+          </a:fillRef>
+          <a:effectRef idx="0">
+            <a:schemeClr val="accent1"/>
+          </a:effectRef>
+          <a:fontRef idx="minor">
+            <a:schemeClr val="tx1"/>
+          </a:fontRef>
+        </p:style>
+      </p:cxnSp>
+    </p:spTree>
+  </p:cSld>
+  <p:clrMapOvr>
+    <a:masterClrMapping/>
+  </p:clrMapOvr>
+</p:sld>
+</file>
+
+<file path=ppt/slides/slide9.xml><?xml version="1.0" encoding="utf-8"?>
+<p:sld xmlns:a="http://schemas.openxmlformats.org/drawingml/2006/main" xmlns:r="http://schemas.openxmlformats.org/officeDocument/2006/relationships" xmlns:p="http://schemas.openxmlformats.org/presentationml/2006/main">
+  <p:cSld>
+    <p:spTree>
+      <p:nvGrpSpPr>
+        <p:cNvPr id="1" name=""/>
+        <p:cNvGrpSpPr/>
+        <p:nvPr/>
+      </p:nvGrpSpPr>
+      <p:grpSpPr/>
+      <p:sp>
+        <p:nvSpPr>
+          <p:cNvPr id="12" name="TextBox 11"/>
+          <p:cNvSpPr txBox="1"/>
+          <p:nvPr/>
+        </p:nvSpPr>
+        <p:spPr>
+          <a:xfrm>
+            <a:off x="249555" y="228600"/>
+            <a:ext cx="5676900" cy="380365"/>
+          </a:xfrm>
+          <a:prstGeom prst="rect">
+            <a:avLst/>
+          </a:prstGeom>
+          <a:noFill/>
+        </p:spPr>
+        <p:txBody>
+          <a:bodyPr wrap="square" rtlCol="0">
+            <a:spAutoFit/>
+          </a:bodyPr>
+          <a:p>
+            <a:r>
+              <a:rPr lang="x-none" altLang="en-SG">
+                <a:solidFill>
+                  <a:srgbClr val="FF0000"/>
+                </a:solidFill>
+              </a:rPr>
+              <a:t>use this to make surround view image</a:t>
+            </a:r>
+            <a:endParaRPr lang="x-none" altLang="en-SG">
+              <a:solidFill>
+                <a:srgbClr val="FF0000"/>
+              </a:solidFill>
+            </a:endParaRPr>
+          </a:p>
+        </p:txBody>
+      </p:sp>
+      <p:pic>
+        <p:nvPicPr>
+          <p:cNvPr id="2" name="Picture 1"/>
+          <p:cNvPicPr>
+            <a:picLocks noChangeAspect="1"/>
+          </p:cNvPicPr>
+          <p:nvPr/>
+        </p:nvPicPr>
+        <p:blipFill>
+          <a:blip r:embed="rId1"/>
+          <a:stretch>
+            <a:fillRect/>
+          </a:stretch>
+        </p:blipFill>
+        <p:spPr>
+          <a:xfrm>
+            <a:off x="306705" y="662940"/>
+            <a:ext cx="9960610" cy="4092575"/>
+          </a:xfrm>
+          <a:prstGeom prst="rect">
+            <a:avLst/>
+          </a:prstGeom>
+        </p:spPr>
+      </p:pic>
+      <p:pic>
+        <p:nvPicPr>
+          <p:cNvPr id="3" name="Picture 2"/>
+          <p:cNvPicPr>
+            <a:picLocks noChangeAspect="1"/>
+          </p:cNvPicPr>
+          <p:nvPr/>
+        </p:nvPicPr>
+        <p:blipFill>
+          <a:blip r:embed="rId2"/>
+          <a:stretch>
+            <a:fillRect/>
+          </a:stretch>
+        </p:blipFill>
+        <p:spPr>
+          <a:xfrm>
+            <a:off x="10276205" y="1906270"/>
+            <a:ext cx="1952625" cy="4666615"/>
+          </a:xfrm>
+          <a:prstGeom prst="rect">
+            <a:avLst/>
+          </a:prstGeom>
+        </p:spPr>
+      </p:pic>
+      <p:cxnSp>
+        <p:nvCxnSpPr>
+          <p:cNvPr id="4" name="Straight Arrow Connector 3"/>
+          <p:cNvCxnSpPr/>
+          <p:nvPr/>
+        </p:nvCxnSpPr>
+        <p:spPr>
+          <a:xfrm>
+            <a:off x="1900555" y="551180"/>
+            <a:ext cx="2292985" cy="732155"/>
+          </a:xfrm>
+          <a:prstGeom prst="straightConnector1">
+            <a:avLst/>
+          </a:prstGeom>
+          <a:ln>
+            <a:tailEnd type="arrow"/>
+          </a:ln>
+        </p:spPr>
+        <p:style>
+          <a:lnRef idx="1">
+            <a:schemeClr val="accent1"/>
+          </a:lnRef>
+          <a:fillRef idx="0">
+            <a:schemeClr val="accent1"/>
+          </a:fillRef>
+          <a:effectRef idx="0">
+            <a:schemeClr val="accent1"/>
+          </a:effectRef>
+          <a:fontRef idx="minor">
+            <a:schemeClr val="tx1"/>
+          </a:fontRef>
+        </p:style>
+      </p:cxnSp>
+      <p:cxnSp>
+        <p:nvCxnSpPr>
+          <p:cNvPr id="5" name="Straight Arrow Connector 4"/>
+          <p:cNvCxnSpPr/>
+          <p:nvPr/>
+        </p:nvCxnSpPr>
+        <p:spPr>
+          <a:xfrm>
+            <a:off x="5628005" y="3163570"/>
+            <a:ext cx="4511675" cy="2511425"/>
+          </a:xfrm>
+          <a:prstGeom prst="straightConnector1">
+            <a:avLst/>
+          </a:prstGeom>
+          <a:ln>
+            <a:tailEnd type="arrow"/>
+          </a:ln>
+        </p:spPr>
+        <p:style>
+          <a:lnRef idx="1">
+            <a:schemeClr val="accent1"/>
+          </a:lnRef>
+          <a:fillRef idx="0">
+            <a:schemeClr val="accent1"/>
+          </a:fillRef>
+          <a:effectRef idx="0">
+            <a:schemeClr val="accent1"/>
+          </a:effectRef>
+          <a:fontRef idx="minor">
+            <a:schemeClr val="tx1"/>
+          </a:fontRef>
+        </p:style>
+      </p:cxnSp>
     </p:spTree>
   </p:cSld>
   <p:clrMapOvr>
